--- a/Solution.pptx
+++ b/Solution.pptx
@@ -17,6 +17,8 @@
     <p:sldId id="266" r:id="rId11"/>
     <p:sldId id="267" r:id="rId12"/>
     <p:sldId id="268" r:id="rId13"/>
+    <p:sldId id="270" r:id="rId14"/>
+    <p:sldId id="269" r:id="rId15"/>
   </p:sldIdLst>
   <p:sldSz cx="12192000" cy="6858000"/>
   <p:notesSz cx="6858000" cy="9144000"/>
@@ -4185,6 +4187,361 @@
 </p:sld>
 </file>
 
+<file path=ppt/slides/slide13.xml><?xml version="1.0" encoding="utf-8"?>
+<p:sld xmlns:a="http://schemas.openxmlformats.org/drawingml/2006/main" xmlns:r="http://schemas.openxmlformats.org/officeDocument/2006/relationships" xmlns:p="http://schemas.openxmlformats.org/presentationml/2006/main">
+  <p:cSld>
+    <p:spTree>
+      <p:nvGrpSpPr>
+        <p:cNvPr id="1" name=""/>
+        <p:cNvGrpSpPr/>
+        <p:nvPr/>
+      </p:nvGrpSpPr>
+      <p:grpSpPr>
+        <a:xfrm>
+          <a:off x="0" y="0"/>
+          <a:ext cx="0" cy="0"/>
+          <a:chOff x="0" y="0"/>
+          <a:chExt cx="0" cy="0"/>
+        </a:xfrm>
+      </p:grpSpPr>
+      <p:pic>
+        <p:nvPicPr>
+          <p:cNvPr id="2" name="Picture 1"/>
+          <p:cNvPicPr>
+            <a:picLocks noChangeAspect="1"/>
+          </p:cNvPicPr>
+          <p:nvPr/>
+        </p:nvPicPr>
+        <p:blipFill>
+          <a:blip r:embed="rId2"/>
+          <a:stretch>
+            <a:fillRect/>
+          </a:stretch>
+        </p:blipFill>
+        <p:spPr>
+          <a:xfrm>
+            <a:off x="932688" y="1322060"/>
+            <a:ext cx="10984992" cy="5329865"/>
+          </a:xfrm>
+          <a:prstGeom prst="rect">
+            <a:avLst/>
+          </a:prstGeom>
+        </p:spPr>
+      </p:pic>
+      <p:sp>
+        <p:nvSpPr>
+          <p:cNvPr id="3" name="TextBox 2"/>
+          <p:cNvSpPr txBox="1"/>
+          <p:nvPr/>
+        </p:nvSpPr>
+        <p:spPr>
+          <a:xfrm>
+            <a:off x="1060704" y="283464"/>
+            <a:ext cx="6949440" cy="584775"/>
+          </a:xfrm>
+          <a:prstGeom prst="rect">
+            <a:avLst/>
+          </a:prstGeom>
+          <a:noFill/>
+        </p:spPr>
+        <p:txBody>
+          <a:bodyPr wrap="square" rtlCol="0">
+            <a:spAutoFit/>
+          </a:bodyPr>
+          <a:lstStyle/>
+          <a:p>
+            <a:r>
+              <a:rPr lang="en-US" sz="3200" dirty="0" smtClean="0"/>
+              <a:t>Classification of data to be used</a:t>
+            </a:r>
+            <a:endParaRPr lang="en-US" sz="3200" dirty="0"/>
+          </a:p>
+        </p:txBody>
+      </p:sp>
+    </p:spTree>
+    <p:extLst>
+      <p:ext uri="{BB962C8B-B14F-4D97-AF65-F5344CB8AC3E}">
+        <p14:creationId xmlns:p14="http://schemas.microsoft.com/office/powerpoint/2010/main" val="1185077446"/>
+      </p:ext>
+    </p:extLst>
+  </p:cSld>
+  <p:clrMapOvr>
+    <a:masterClrMapping/>
+  </p:clrMapOvr>
+</p:sld>
+</file>
+
+<file path=ppt/slides/slide14.xml><?xml version="1.0" encoding="utf-8"?>
+<p:sld xmlns:a="http://schemas.openxmlformats.org/drawingml/2006/main" xmlns:r="http://schemas.openxmlformats.org/officeDocument/2006/relationships" xmlns:p="http://schemas.openxmlformats.org/presentationml/2006/main">
+  <p:cSld>
+    <p:spTree>
+      <p:nvGrpSpPr>
+        <p:cNvPr id="1" name=""/>
+        <p:cNvGrpSpPr/>
+        <p:nvPr/>
+      </p:nvGrpSpPr>
+      <p:grpSpPr>
+        <a:xfrm>
+          <a:off x="0" y="0"/>
+          <a:ext cx="0" cy="0"/>
+          <a:chOff x="0" y="0"/>
+          <a:chExt cx="0" cy="0"/>
+        </a:xfrm>
+      </p:grpSpPr>
+      <p:sp>
+        <p:nvSpPr>
+          <p:cNvPr id="2" name="TextBox 1"/>
+          <p:cNvSpPr txBox="1"/>
+          <p:nvPr/>
+        </p:nvSpPr>
+        <p:spPr>
+          <a:xfrm>
+            <a:off x="1380744" y="448056"/>
+            <a:ext cx="6373368" cy="523220"/>
+          </a:xfrm>
+          <a:prstGeom prst="rect">
+            <a:avLst/>
+          </a:prstGeom>
+          <a:noFill/>
+        </p:spPr>
+        <p:txBody>
+          <a:bodyPr wrap="square" rtlCol="0">
+            <a:spAutoFit/>
+          </a:bodyPr>
+          <a:lstStyle/>
+          <a:p>
+            <a:r>
+              <a:rPr lang="en-US" sz="2800" dirty="0" smtClean="0"/>
+              <a:t>Insights : Consistency of Subscription </a:t>
+            </a:r>
+            <a:endParaRPr lang="en-US" sz="2800" dirty="0"/>
+          </a:p>
+        </p:txBody>
+      </p:sp>
+      <p:graphicFrame>
+        <p:nvGraphicFramePr>
+          <p:cNvPr id="3" name="Table 2"/>
+          <p:cNvGraphicFramePr>
+            <a:graphicFrameLocks noGrp="1"/>
+          </p:cNvGraphicFramePr>
+          <p:nvPr>
+            <p:extLst>
+              <p:ext uri="{D42A27DB-BD31-4B8C-83A1-F6EECF244321}">
+                <p14:modId xmlns:p14="http://schemas.microsoft.com/office/powerpoint/2010/main" val="1986455461"/>
+              </p:ext>
+            </p:extLst>
+          </p:nvPr>
+        </p:nvGraphicFramePr>
+        <p:xfrm>
+          <a:off x="1492504" y="1186010"/>
+          <a:ext cx="8127999" cy="1483360"/>
+        </p:xfrm>
+        <a:graphic>
+          <a:graphicData uri="http://schemas.openxmlformats.org/drawingml/2006/table">
+            <a:tbl>
+              <a:tblPr firstRow="1" bandRow="1">
+                <a:tableStyleId>{5C22544A-7EE6-4342-B048-85BDC9FD1C3A}</a:tableStyleId>
+              </a:tblPr>
+              <a:tblGrid>
+                <a:gridCol w="2709333"/>
+                <a:gridCol w="2709333"/>
+                <a:gridCol w="2709333"/>
+              </a:tblGrid>
+              <a:tr h="370840">
+                <a:tc>
+                  <a:txBody>
+                    <a:bodyPr/>
+                    <a:lstStyle/>
+                    <a:p>
+                      <a:endParaRPr lang="en-US" dirty="0"/>
+                    </a:p>
+                  </a:txBody>
+                  <a:tcPr/>
+                </a:tc>
+                <a:tc>
+                  <a:txBody>
+                    <a:bodyPr/>
+                    <a:lstStyle/>
+                    <a:p>
+                      <a:r>
+                        <a:rPr lang="en-US" dirty="0" smtClean="0"/>
+                        <a:t>Subscribers</a:t>
+                      </a:r>
+                      <a:endParaRPr lang="en-US" dirty="0"/>
+                    </a:p>
+                  </a:txBody>
+                  <a:tcPr/>
+                </a:tc>
+                <a:tc>
+                  <a:txBody>
+                    <a:bodyPr/>
+                    <a:lstStyle/>
+                    <a:p>
+                      <a:endParaRPr lang="en-US" dirty="0"/>
+                    </a:p>
+                  </a:txBody>
+                  <a:tcPr/>
+                </a:tc>
+              </a:tr>
+              <a:tr h="370840">
+                <a:tc>
+                  <a:txBody>
+                    <a:bodyPr/>
+                    <a:lstStyle/>
+                    <a:p>
+                      <a:r>
+                        <a:rPr lang="en-US" dirty="0" smtClean="0"/>
+                        <a:t>1120112</a:t>
+                      </a:r>
+                      <a:endParaRPr lang="en-US" dirty="0"/>
+                    </a:p>
+                  </a:txBody>
+                  <a:tcPr/>
+                </a:tc>
+                <a:tc>
+                  <a:txBody>
+                    <a:bodyPr/>
+                    <a:lstStyle/>
+                    <a:p>
+                      <a:r>
+                        <a:rPr lang="en-US" dirty="0" smtClean="0"/>
+                        <a:t>59156</a:t>
+                      </a:r>
+                      <a:endParaRPr lang="en-US" dirty="0"/>
+                    </a:p>
+                  </a:txBody>
+                  <a:tcPr/>
+                </a:tc>
+                <a:tc>
+                  <a:txBody>
+                    <a:bodyPr/>
+                    <a:lstStyle/>
+                    <a:p>
+                      <a:endParaRPr lang="en-US" dirty="0"/>
+                    </a:p>
+                  </a:txBody>
+                  <a:tcPr/>
+                </a:tc>
+              </a:tr>
+              <a:tr h="370840">
+                <a:tc>
+                  <a:txBody>
+                    <a:bodyPr/>
+                    <a:lstStyle/>
+                    <a:p>
+                      <a:pPr algn="l" fontAlgn="b"/>
+                      <a:r>
+                        <a:rPr lang="en-US" sz="1800" kern="1200" dirty="0">
+                          <a:solidFill>
+                            <a:schemeClr val="dk1"/>
+                          </a:solidFill>
+                          <a:latin typeface="+mn-lt"/>
+                          <a:ea typeface="+mn-ea"/>
+                          <a:cs typeface="+mn-cs"/>
+                        </a:rPr>
+                        <a:t>1120224</a:t>
+                      </a:r>
+                    </a:p>
+                  </a:txBody>
+                  <a:tcPr marL="6350" marR="6350" marT="6350" marB="0" anchor="b"/>
+                </a:tc>
+                <a:tc>
+                  <a:txBody>
+                    <a:bodyPr/>
+                    <a:lstStyle/>
+                    <a:p>
+                      <a:r>
+                        <a:rPr lang="en-US" dirty="0" smtClean="0"/>
+                        <a:t>111007</a:t>
+                      </a:r>
+                      <a:endParaRPr lang="en-US" dirty="0"/>
+                    </a:p>
+                  </a:txBody>
+                  <a:tcPr/>
+                </a:tc>
+                <a:tc>
+                  <a:txBody>
+                    <a:bodyPr/>
+                    <a:lstStyle/>
+                    <a:p>
+                      <a:endParaRPr lang="en-US" dirty="0"/>
+                    </a:p>
+                  </a:txBody>
+                  <a:tcPr/>
+                </a:tc>
+              </a:tr>
+              <a:tr h="370840">
+                <a:tc>
+                  <a:txBody>
+                    <a:bodyPr/>
+                    <a:lstStyle/>
+                    <a:p>
+                      <a:pPr algn="l" fontAlgn="b"/>
+                      <a:r>
+                        <a:rPr lang="en-US" sz="1800" kern="1200" dirty="0" smtClean="0">
+                          <a:solidFill>
+                            <a:schemeClr val="dk1"/>
+                          </a:solidFill>
+                          <a:latin typeface="+mn-lt"/>
+                          <a:ea typeface="+mn-ea"/>
+                          <a:cs typeface="+mn-cs"/>
+                        </a:rPr>
+                        <a:t>1120336</a:t>
+                      </a:r>
+                      <a:endParaRPr lang="en-US" sz="1800" kern="1200" dirty="0">
+                        <a:solidFill>
+                          <a:schemeClr val="dk1"/>
+                        </a:solidFill>
+                        <a:latin typeface="+mn-lt"/>
+                        <a:ea typeface="+mn-ea"/>
+                        <a:cs typeface="+mn-cs"/>
+                      </a:endParaRPr>
+                    </a:p>
+                  </a:txBody>
+                  <a:tcPr marL="6350" marR="6350" marT="6350" marB="0" anchor="b"/>
+                </a:tc>
+                <a:tc>
+                  <a:txBody>
+                    <a:bodyPr/>
+                    <a:lstStyle/>
+                    <a:p>
+                      <a:r>
+                        <a:rPr lang="en-US" dirty="0" smtClean="0"/>
+                        <a:t>22228</a:t>
+                      </a:r>
+                      <a:endParaRPr lang="en-US" dirty="0"/>
+                    </a:p>
+                  </a:txBody>
+                  <a:tcPr/>
+                </a:tc>
+                <a:tc>
+                  <a:txBody>
+                    <a:bodyPr/>
+                    <a:lstStyle/>
+                    <a:p>
+                      <a:endParaRPr lang="en-US" dirty="0"/>
+                    </a:p>
+                  </a:txBody>
+                  <a:tcPr/>
+                </a:tc>
+              </a:tr>
+            </a:tbl>
+          </a:graphicData>
+        </a:graphic>
+      </p:graphicFrame>
+    </p:spTree>
+    <p:extLst>
+      <p:ext uri="{BB962C8B-B14F-4D97-AF65-F5344CB8AC3E}">
+        <p14:creationId xmlns:p14="http://schemas.microsoft.com/office/powerpoint/2010/main" val="1574923151"/>
+      </p:ext>
+    </p:extLst>
+  </p:cSld>
+  <p:clrMapOvr>
+    <a:masterClrMapping/>
+  </p:clrMapOvr>
+</p:sld>
+</file>
+
 <file path=ppt/slides/slide2.xml><?xml version="1.0" encoding="utf-8"?>
 <p:sld xmlns:a="http://schemas.openxmlformats.org/drawingml/2006/main" xmlns:r="http://schemas.openxmlformats.org/officeDocument/2006/relationships" xmlns:p="http://schemas.openxmlformats.org/presentationml/2006/main">
   <p:cSld>
